--- a/卒業論文/2015/下村渉/中間発表/中間審査ポスター.pptx
+++ b/卒業論文/2015/下村渉/中間発表/中間審査ポスター.pptx
@@ -104,6 +104,11 @@
       </a:defRPr>
     </a:lvl9pPr>
   </p:defaultTextStyle>
+  <p:extLst>
+    <p:ext uri="{EFAFB233-063F-42B5-8137-9DF3F51BA10A}">
+      <p15:sldGuideLst xmlns:p15="http://schemas.microsoft.com/office/powerpoint/2012/main"/>
+    </p:ext>
+  </p:extLst>
 </p:presentation>
 </file>
 
@@ -238,7 +243,7 @@
           <a:p>
             <a:fld id="{B6B1599E-F15B-4283-96AD-171F0F1E0D5E}" type="datetimeFigureOut">
               <a:rPr kumimoji="1" lang="ja-JP" altLang="en-US" smtClean="0"/>
-              <a:t>2016/9/28</a:t>
+              <a:t>2016/10/10</a:t>
             </a:fld>
             <a:endParaRPr kumimoji="1" lang="ja-JP" altLang="en-US"/>
           </a:p>
@@ -440,7 +445,7 @@
           <a:p>
             <a:fld id="{B6B1599E-F15B-4283-96AD-171F0F1E0D5E}" type="datetimeFigureOut">
               <a:rPr kumimoji="1" lang="ja-JP" altLang="en-US" smtClean="0"/>
-              <a:t>2016/9/28</a:t>
+              <a:t>2016/10/10</a:t>
             </a:fld>
             <a:endParaRPr kumimoji="1" lang="ja-JP" altLang="en-US"/>
           </a:p>
@@ -652,7 +657,7 @@
           <a:p>
             <a:fld id="{B6B1599E-F15B-4283-96AD-171F0F1E0D5E}" type="datetimeFigureOut">
               <a:rPr kumimoji="1" lang="ja-JP" altLang="en-US" smtClean="0"/>
-              <a:t>2016/9/28</a:t>
+              <a:t>2016/10/10</a:t>
             </a:fld>
             <a:endParaRPr kumimoji="1" lang="ja-JP" altLang="en-US"/>
           </a:p>
@@ -854,7 +859,7 @@
           <a:p>
             <a:fld id="{B6B1599E-F15B-4283-96AD-171F0F1E0D5E}" type="datetimeFigureOut">
               <a:rPr kumimoji="1" lang="ja-JP" altLang="en-US" smtClean="0"/>
-              <a:t>2016/9/28</a:t>
+              <a:t>2016/10/10</a:t>
             </a:fld>
             <a:endParaRPr kumimoji="1" lang="ja-JP" altLang="en-US"/>
           </a:p>
@@ -1098,7 +1103,7 @@
           <a:p>
             <a:fld id="{B6B1599E-F15B-4283-96AD-171F0F1E0D5E}" type="datetimeFigureOut">
               <a:rPr kumimoji="1" lang="ja-JP" altLang="en-US" smtClean="0"/>
-              <a:t>2016/9/28</a:t>
+              <a:t>2016/10/10</a:t>
             </a:fld>
             <a:endParaRPr kumimoji="1" lang="ja-JP" altLang="en-US"/>
           </a:p>
@@ -1394,7 +1399,7 @@
           <a:p>
             <a:fld id="{B6B1599E-F15B-4283-96AD-171F0F1E0D5E}" type="datetimeFigureOut">
               <a:rPr kumimoji="1" lang="ja-JP" altLang="en-US" smtClean="0"/>
-              <a:t>2016/9/28</a:t>
+              <a:t>2016/10/10</a:t>
             </a:fld>
             <a:endParaRPr kumimoji="1" lang="ja-JP" altLang="en-US"/>
           </a:p>
@@ -1825,7 +1830,7 @@
           <a:p>
             <a:fld id="{B6B1599E-F15B-4283-96AD-171F0F1E0D5E}" type="datetimeFigureOut">
               <a:rPr kumimoji="1" lang="ja-JP" altLang="en-US" smtClean="0"/>
-              <a:t>2016/9/28</a:t>
+              <a:t>2016/10/10</a:t>
             </a:fld>
             <a:endParaRPr kumimoji="1" lang="ja-JP" altLang="en-US"/>
           </a:p>
@@ -1943,7 +1948,7 @@
           <a:p>
             <a:fld id="{B6B1599E-F15B-4283-96AD-171F0F1E0D5E}" type="datetimeFigureOut">
               <a:rPr kumimoji="1" lang="ja-JP" altLang="en-US" smtClean="0"/>
-              <a:t>2016/9/28</a:t>
+              <a:t>2016/10/10</a:t>
             </a:fld>
             <a:endParaRPr kumimoji="1" lang="ja-JP" altLang="en-US"/>
           </a:p>
@@ -2038,7 +2043,7 @@
           <a:p>
             <a:fld id="{B6B1599E-F15B-4283-96AD-171F0F1E0D5E}" type="datetimeFigureOut">
               <a:rPr kumimoji="1" lang="ja-JP" altLang="en-US" smtClean="0"/>
-              <a:t>2016/9/28</a:t>
+              <a:t>2016/10/10</a:t>
             </a:fld>
             <a:endParaRPr kumimoji="1" lang="ja-JP" altLang="en-US"/>
           </a:p>
@@ -2347,7 +2352,7 @@
           <a:p>
             <a:fld id="{B6B1599E-F15B-4283-96AD-171F0F1E0D5E}" type="datetimeFigureOut">
               <a:rPr kumimoji="1" lang="ja-JP" altLang="en-US" smtClean="0"/>
-              <a:t>2016/9/28</a:t>
+              <a:t>2016/10/10</a:t>
             </a:fld>
             <a:endParaRPr kumimoji="1" lang="ja-JP" altLang="en-US"/>
           </a:p>
@@ -2604,7 +2609,7 @@
           <a:p>
             <a:fld id="{B6B1599E-F15B-4283-96AD-171F0F1E0D5E}" type="datetimeFigureOut">
               <a:rPr kumimoji="1" lang="ja-JP" altLang="en-US" smtClean="0"/>
-              <a:t>2016/9/28</a:t>
+              <a:t>2016/10/10</a:t>
             </a:fld>
             <a:endParaRPr kumimoji="1" lang="ja-JP" altLang="en-US"/>
           </a:p>
@@ -2849,7 +2854,7 @@
           <a:p>
             <a:fld id="{B6B1599E-F15B-4283-96AD-171F0F1E0D5E}" type="datetimeFigureOut">
               <a:rPr kumimoji="1" lang="ja-JP" altLang="en-US" smtClean="0"/>
-              <a:t>2016/9/28</a:t>
+              <a:t>2016/10/10</a:t>
             </a:fld>
             <a:endParaRPr kumimoji="1" lang="ja-JP" altLang="en-US"/>
           </a:p>
@@ -3256,14 +3261,100 @@
       </p:grpSpPr>
       <p:sp>
         <p:nvSpPr>
+          <p:cNvPr id="6" name="正方形/長方形 5"/>
+          <p:cNvSpPr/>
+          <p:nvPr/>
+        </p:nvSpPr>
+        <p:spPr>
+          <a:xfrm>
+            <a:off x="94316" y="5963389"/>
+            <a:ext cx="6600398" cy="1629560"/>
+          </a:xfrm>
+          <a:prstGeom prst="rect">
+            <a:avLst/>
+          </a:prstGeom>
+          <a:ln>
+            <a:solidFill>
+              <a:schemeClr val="tx1"/>
+            </a:solidFill>
+          </a:ln>
+        </p:spPr>
+        <p:style>
+          <a:lnRef idx="2">
+            <a:schemeClr val="accent5"/>
+          </a:lnRef>
+          <a:fillRef idx="1">
+            <a:schemeClr val="lt1"/>
+          </a:fillRef>
+          <a:effectRef idx="0">
+            <a:schemeClr val="accent5"/>
+          </a:effectRef>
+          <a:fontRef idx="minor">
+            <a:schemeClr val="dk1"/>
+          </a:fontRef>
+        </p:style>
+        <p:txBody>
+          <a:bodyPr rtlCol="0" anchor="ctr"/>
+          <a:lstStyle/>
+          <a:p>
+            <a:pPr algn="ctr"/>
+            <a:endParaRPr kumimoji="1" lang="ja-JP" altLang="en-US"/>
+          </a:p>
+        </p:txBody>
+      </p:sp>
+      <p:sp>
+        <p:nvSpPr>
+          <p:cNvPr id="4" name="正方形/長方形 3"/>
+          <p:cNvSpPr/>
+          <p:nvPr/>
+        </p:nvSpPr>
+        <p:spPr>
+          <a:xfrm>
+            <a:off x="97971" y="858391"/>
+            <a:ext cx="6596743" cy="3060466"/>
+          </a:xfrm>
+          <a:prstGeom prst="rect">
+            <a:avLst/>
+          </a:prstGeom>
+          <a:solidFill>
+            <a:schemeClr val="bg1"/>
+          </a:solidFill>
+        </p:spPr>
+        <p:style>
+          <a:lnRef idx="2">
+            <a:schemeClr val="accent1">
+              <a:shade val="50000"/>
+            </a:schemeClr>
+          </a:lnRef>
+          <a:fillRef idx="1">
+            <a:schemeClr val="accent1"/>
+          </a:fillRef>
+          <a:effectRef idx="0">
+            <a:schemeClr val="accent1"/>
+          </a:effectRef>
+          <a:fontRef idx="minor">
+            <a:schemeClr val="lt1"/>
+          </a:fontRef>
+        </p:style>
+        <p:txBody>
+          <a:bodyPr rtlCol="0" anchor="ctr"/>
+          <a:lstStyle/>
+          <a:p>
+            <a:pPr algn="ctr"/>
+            <a:endParaRPr kumimoji="1" lang="ja-JP" altLang="en-US"/>
+          </a:p>
+        </p:txBody>
+      </p:sp>
+      <p:sp>
+        <p:nvSpPr>
           <p:cNvPr id="15" name="正方形/長方形 14"/>
           <p:cNvSpPr/>
           <p:nvPr/>
         </p:nvSpPr>
         <p:spPr>
           <a:xfrm>
-            <a:off x="269646" y="4165100"/>
-            <a:ext cx="3149450" cy="1574547"/>
+            <a:off x="105394" y="4175632"/>
+            <a:ext cx="3190304" cy="1574547"/>
           </a:xfrm>
           <a:prstGeom prst="rect">
             <a:avLst/>
@@ -3338,13 +3429,17 @@
         </p:nvSpPr>
         <p:spPr>
           <a:xfrm>
-            <a:off x="208907" y="985222"/>
-            <a:ext cx="6371216" cy="1040690"/>
+            <a:off x="208907" y="1052096"/>
+            <a:ext cx="6371216" cy="921152"/>
           </a:xfrm>
           <a:prstGeom prst="rect">
             <a:avLst/>
           </a:prstGeom>
-          <a:ln/>
+          <a:ln>
+            <a:solidFill>
+              <a:schemeClr val="bg1"/>
+            </a:solidFill>
+          </a:ln>
         </p:spPr>
         <p:style>
           <a:lnRef idx="2">
@@ -3397,7 +3492,7 @@
             </a:r>
             <a:r>
               <a:rPr lang="ja-JP" altLang="en-US" sz="1200" dirty="0" smtClean="0"/>
-              <a:t>で日常的に悪質なツイートがされて</a:t>
+              <a:t>で日常的に悪質なツイートがされ，それが広まり炎上している．</a:t>
             </a:r>
             <a:endParaRPr lang="ja-JP" altLang="en-US" sz="1200" dirty="0"/>
           </a:p>
@@ -3483,23 +3578,579 @@
               </a:rPr>
               <a:t>　下村渉</a:t>
             </a:r>
-            <a:endParaRPr lang="ja-JP" altLang="en-US" sz="1812" dirty="0">
-              <a:latin typeface="+mj-ea"/>
-              <a:ea typeface="+mj-ea"/>
-            </a:endParaRPr>
-          </a:p>
-        </p:txBody>
-      </p:sp>
-      <p:sp>
-        <p:nvSpPr>
-          <p:cNvPr id="13" name="円/楕円 12"/>
+          </a:p>
+        </p:txBody>
+      </p:sp>
+      <p:sp>
+        <p:nvSpPr>
+          <p:cNvPr id="42" name="正方形/長方形 41"/>
           <p:cNvSpPr/>
           <p:nvPr/>
         </p:nvSpPr>
         <p:spPr>
           <a:xfrm>
-            <a:off x="270842" y="3941359"/>
-            <a:ext cx="982900" cy="430194"/>
+            <a:off x="3487339" y="4165100"/>
+            <a:ext cx="3092784" cy="1574548"/>
+          </a:xfrm>
+          <a:prstGeom prst="rect">
+            <a:avLst/>
+          </a:prstGeom>
+          <a:solidFill>
+            <a:schemeClr val="bg1"/>
+          </a:solidFill>
+          <a:ln>
+            <a:solidFill>
+              <a:schemeClr val="tx1"/>
+            </a:solidFill>
+          </a:ln>
+        </p:spPr>
+        <p:style>
+          <a:lnRef idx="1">
+            <a:schemeClr val="accent1"/>
+          </a:lnRef>
+          <a:fillRef idx="3">
+            <a:schemeClr val="accent1"/>
+          </a:fillRef>
+          <a:effectRef idx="2">
+            <a:schemeClr val="accent1"/>
+          </a:effectRef>
+          <a:fontRef idx="minor">
+            <a:schemeClr val="lt1"/>
+          </a:fontRef>
+        </p:style>
+        <p:txBody>
+          <a:bodyPr rtlCol="0" anchor="ctr"/>
+          <a:lstStyle/>
+          <a:p>
+            <a:endParaRPr lang="en-US" altLang="ja-JP" sz="1100" dirty="0" smtClean="0">
+              <a:solidFill>
+                <a:schemeClr val="tx1"/>
+              </a:solidFill>
+              <a:effectLst/>
+            </a:endParaRPr>
+          </a:p>
+          <a:p>
+            <a:endParaRPr lang="en-US" altLang="ja-JP" sz="1100" dirty="0">
+              <a:solidFill>
+                <a:schemeClr val="tx1"/>
+              </a:solidFill>
+            </a:endParaRPr>
+          </a:p>
+          <a:p>
+            <a:pPr marL="228600" indent="-228600">
+              <a:buFont typeface="+mj-lt"/>
+              <a:buAutoNum type="arabicPeriod"/>
+            </a:pPr>
+            <a:r>
+              <a:rPr lang="ja-JP" altLang="en-US" sz="1200" dirty="0" smtClean="0">
+                <a:solidFill>
+                  <a:schemeClr val="tx1"/>
+                </a:solidFill>
+                <a:effectLst/>
+              </a:rPr>
+              <a:t>本研究は</a:t>
+            </a:r>
+            <a:r>
+              <a:rPr lang="en-US" altLang="ja-JP" sz="1200" dirty="0" smtClean="0">
+                <a:solidFill>
+                  <a:schemeClr val="tx1"/>
+                </a:solidFill>
+                <a:effectLst/>
+              </a:rPr>
+              <a:t>Twitter</a:t>
+            </a:r>
+            <a:r>
+              <a:rPr lang="ja-JP" altLang="en-US" sz="1200" dirty="0" smtClean="0">
+                <a:solidFill>
+                  <a:schemeClr val="tx1"/>
+                </a:solidFill>
+                <a:effectLst/>
+              </a:rPr>
+              <a:t>と</a:t>
+            </a:r>
+            <a:r>
+              <a:rPr lang="en-US" altLang="ja-JP" sz="1200" dirty="0" smtClean="0">
+                <a:solidFill>
+                  <a:schemeClr val="tx1"/>
+                </a:solidFill>
+                <a:effectLst/>
+              </a:rPr>
+              <a:t>Streaming API</a:t>
+            </a:r>
+            <a:r>
+              <a:rPr lang="ja-JP" altLang="en-US" sz="1200" dirty="0" smtClean="0">
+                <a:solidFill>
+                  <a:schemeClr val="tx1"/>
+                </a:solidFill>
+                <a:effectLst/>
+              </a:rPr>
+              <a:t>を使用しデータの集計をする．</a:t>
+            </a:r>
+            <a:endParaRPr lang="en-US" altLang="ja-JP" sz="1200" dirty="0" smtClean="0">
+              <a:solidFill>
+                <a:schemeClr val="tx1"/>
+              </a:solidFill>
+              <a:effectLst/>
+            </a:endParaRPr>
+          </a:p>
+          <a:p>
+            <a:pPr marL="228600" indent="-228600">
+              <a:buFont typeface="+mj-lt"/>
+              <a:buAutoNum type="arabicPeriod"/>
+            </a:pPr>
+            <a:r>
+              <a:rPr lang="en-US" altLang="ja-JP" sz="1200" dirty="0" smtClean="0">
+                <a:solidFill>
+                  <a:schemeClr val="tx1"/>
+                </a:solidFill>
+                <a:effectLst/>
+              </a:rPr>
+              <a:t>Streaming</a:t>
+            </a:r>
+            <a:r>
+              <a:rPr lang="ja-JP" altLang="en-US" sz="1200" dirty="0" smtClean="0">
+                <a:solidFill>
+                  <a:schemeClr val="tx1"/>
+                </a:solidFill>
+                <a:effectLst/>
+              </a:rPr>
+              <a:t>データから，リツイートだけを取り出し，データベースに格納する．</a:t>
+            </a:r>
+            <a:endParaRPr lang="en-US" altLang="ja-JP" sz="1200" dirty="0" smtClean="0">
+              <a:solidFill>
+                <a:schemeClr val="tx1"/>
+              </a:solidFill>
+              <a:effectLst/>
+            </a:endParaRPr>
+          </a:p>
+          <a:p>
+            <a:pPr marL="228600" indent="-228600">
+              <a:buFont typeface="+mj-lt"/>
+              <a:buAutoNum type="arabicPeriod"/>
+            </a:pPr>
+            <a:r>
+              <a:rPr lang="ja-JP" altLang="en-US" sz="1200" dirty="0" smtClean="0">
+                <a:solidFill>
+                  <a:schemeClr val="tx1"/>
+                </a:solidFill>
+                <a:effectLst/>
+              </a:rPr>
+              <a:t>リツイートした人，された人のフォロー関係を調べ，データベースに記録する．</a:t>
+            </a:r>
+          </a:p>
+          <a:p>
+            <a:r>
+              <a:rPr lang="ja-JP" altLang="en-US" sz="1100" dirty="0" smtClean="0">
+                <a:solidFill>
+                  <a:schemeClr val="tx1"/>
+                </a:solidFill>
+                <a:effectLst/>
+              </a:rPr>
+              <a:t/>
+            </a:r>
+            <a:br>
+              <a:rPr lang="ja-JP" altLang="en-US" sz="1100" dirty="0" smtClean="0">
+                <a:solidFill>
+                  <a:schemeClr val="tx1"/>
+                </a:solidFill>
+                <a:effectLst/>
+              </a:rPr>
+            </a:br>
+            <a:endParaRPr lang="ja-JP" altLang="en-US" sz="1100" dirty="0" smtClean="0">
+              <a:solidFill>
+                <a:schemeClr val="tx1"/>
+              </a:solidFill>
+              <a:effectLst/>
+            </a:endParaRPr>
+          </a:p>
+        </p:txBody>
+      </p:sp>
+      <p:sp>
+        <p:nvSpPr>
+          <p:cNvPr id="44" name="正方形/長方形 43"/>
+          <p:cNvSpPr/>
+          <p:nvPr/>
+        </p:nvSpPr>
+        <p:spPr>
+          <a:xfrm>
+            <a:off x="234267" y="6212243"/>
+            <a:ext cx="4072685" cy="1173527"/>
+          </a:xfrm>
+          <a:prstGeom prst="rect">
+            <a:avLst/>
+          </a:prstGeom>
+          <a:solidFill>
+            <a:schemeClr val="bg1"/>
+          </a:solidFill>
+          <a:ln>
+            <a:solidFill>
+              <a:schemeClr val="bg1"/>
+            </a:solidFill>
+          </a:ln>
+        </p:spPr>
+        <p:style>
+          <a:lnRef idx="1">
+            <a:schemeClr val="accent1"/>
+          </a:lnRef>
+          <a:fillRef idx="3">
+            <a:schemeClr val="accent1"/>
+          </a:fillRef>
+          <a:effectRef idx="2">
+            <a:schemeClr val="accent1"/>
+          </a:effectRef>
+          <a:fontRef idx="minor">
+            <a:schemeClr val="lt1"/>
+          </a:fontRef>
+        </p:style>
+        <p:txBody>
+          <a:bodyPr rtlCol="0" anchor="ctr"/>
+          <a:lstStyle/>
+          <a:p>
+            <a:pPr marL="342900" indent="-342900">
+              <a:buFont typeface="+mj-lt"/>
+              <a:buAutoNum type="arabicPeriod"/>
+            </a:pPr>
+            <a:r>
+              <a:rPr lang="en-US" altLang="ja-JP" sz="1329" dirty="0" smtClean="0">
+                <a:solidFill>
+                  <a:schemeClr val="tx1"/>
+                </a:solidFill>
+              </a:rPr>
+              <a:t>Streaming </a:t>
+            </a:r>
+            <a:r>
+              <a:rPr lang="en-US" altLang="ja-JP" sz="1329" dirty="0" smtClean="0">
+                <a:solidFill>
+                  <a:schemeClr val="tx1"/>
+                </a:solidFill>
+              </a:rPr>
+              <a:t>API</a:t>
+            </a:r>
+            <a:r>
+              <a:rPr lang="ja-JP" altLang="en-US" sz="1329" dirty="0" smtClean="0">
+                <a:solidFill>
+                  <a:schemeClr val="tx1"/>
+                </a:solidFill>
+              </a:rPr>
+              <a:t>を使って</a:t>
+            </a:r>
+            <a:r>
+              <a:rPr lang="en-US" altLang="ja-JP" sz="1329" dirty="0" smtClean="0">
+                <a:solidFill>
+                  <a:schemeClr val="tx1"/>
+                </a:solidFill>
+              </a:rPr>
+              <a:t>Twitter</a:t>
+            </a:r>
+            <a:r>
+              <a:rPr lang="ja-JP" altLang="en-US" sz="1329" dirty="0" smtClean="0">
+                <a:solidFill>
+                  <a:schemeClr val="tx1"/>
+                </a:solidFill>
+              </a:rPr>
+              <a:t>のタイムラインからリツイートを抜き出し，データベースに記録．</a:t>
+            </a:r>
+            <a:endParaRPr lang="en-US" altLang="ja-JP" sz="1329" dirty="0" smtClean="0">
+              <a:solidFill>
+                <a:schemeClr val="tx1"/>
+              </a:solidFill>
+            </a:endParaRPr>
+          </a:p>
+          <a:p>
+            <a:pPr marL="342900" indent="-342900">
+              <a:buFont typeface="+mj-lt"/>
+              <a:buAutoNum type="arabicPeriod"/>
+            </a:pPr>
+            <a:r>
+              <a:rPr lang="ja-JP" altLang="en-US" sz="1329" dirty="0">
+                <a:solidFill>
+                  <a:schemeClr val="tx1"/>
+                </a:solidFill>
+              </a:rPr>
+              <a:t>リツイート</a:t>
+            </a:r>
+            <a:r>
+              <a:rPr lang="ja-JP" altLang="en-US" sz="1329" dirty="0" smtClean="0">
+                <a:solidFill>
+                  <a:schemeClr val="tx1"/>
+                </a:solidFill>
+              </a:rPr>
+              <a:t>している人が</a:t>
+            </a:r>
+            <a:r>
+              <a:rPr lang="ja-JP" altLang="en-US" sz="1329" dirty="0">
+                <a:solidFill>
+                  <a:schemeClr val="tx1"/>
+                </a:solidFill>
+              </a:rPr>
+              <a:t>フォロ</a:t>
+            </a:r>
+            <a:r>
+              <a:rPr lang="ja-JP" altLang="en-US" sz="1329" dirty="0" smtClean="0">
+                <a:solidFill>
+                  <a:schemeClr val="tx1"/>
+                </a:solidFill>
+              </a:rPr>
+              <a:t>ーしている</a:t>
+            </a:r>
+            <a:r>
+              <a:rPr lang="ja-JP" altLang="en-US" sz="1329" dirty="0">
+                <a:solidFill>
+                  <a:schemeClr val="tx1"/>
+                </a:solidFill>
+              </a:rPr>
+              <a:t>人</a:t>
+            </a:r>
+            <a:r>
+              <a:rPr lang="ja-JP" altLang="en-US" sz="1329" dirty="0" smtClean="0">
+                <a:solidFill>
+                  <a:schemeClr val="tx1"/>
+                </a:solidFill>
+              </a:rPr>
+              <a:t>の</a:t>
+            </a:r>
+            <a:r>
+              <a:rPr lang="ja-JP" altLang="en-US" sz="1329" dirty="0" smtClean="0">
+                <a:solidFill>
+                  <a:schemeClr val="tx1"/>
+                </a:solidFill>
+              </a:rPr>
+              <a:t>取得</a:t>
+            </a:r>
+          </a:p>
+          <a:p>
+            <a:pPr marL="342900" indent="-342900">
+              <a:buFont typeface="+mj-lt"/>
+              <a:buAutoNum type="arabicPeriod"/>
+            </a:pPr>
+            <a:r>
+              <a:rPr lang="ja-JP" altLang="en-US" sz="1329" dirty="0">
+                <a:solidFill>
+                  <a:schemeClr val="tx1"/>
+                </a:solidFill>
+              </a:rPr>
+              <a:t>指定</a:t>
+            </a:r>
+            <a:r>
+              <a:rPr lang="ja-JP" altLang="en-US" sz="1329" dirty="0" smtClean="0">
+                <a:solidFill>
+                  <a:schemeClr val="tx1"/>
+                </a:solidFill>
+              </a:rPr>
+              <a:t>した</a:t>
+            </a:r>
+            <a:r>
+              <a:rPr lang="en-US" altLang="ja-JP" sz="1329" dirty="0" smtClean="0">
+                <a:solidFill>
+                  <a:schemeClr val="tx1"/>
+                </a:solidFill>
+              </a:rPr>
+              <a:t>ID</a:t>
+            </a:r>
+            <a:r>
+              <a:rPr lang="ja-JP" altLang="en-US" sz="1329" dirty="0" smtClean="0">
+                <a:solidFill>
+                  <a:schemeClr val="tx1"/>
+                </a:solidFill>
+              </a:rPr>
+              <a:t>のツイートをリツイートした人を取得</a:t>
+            </a:r>
+            <a:endParaRPr lang="en-US" altLang="ja-JP" sz="1329" dirty="0">
+              <a:solidFill>
+                <a:schemeClr val="tx1"/>
+              </a:solidFill>
+            </a:endParaRPr>
+          </a:p>
+        </p:txBody>
+      </p:sp>
+      <p:sp>
+        <p:nvSpPr>
+          <p:cNvPr id="49" name="正方形/長方形 48"/>
+          <p:cNvSpPr/>
+          <p:nvPr/>
+        </p:nvSpPr>
+        <p:spPr>
+          <a:xfrm>
+            <a:off x="105394" y="7770089"/>
+            <a:ext cx="6473236" cy="1231128"/>
+          </a:xfrm>
+          <a:prstGeom prst="rect">
+            <a:avLst/>
+          </a:prstGeom>
+          <a:solidFill>
+            <a:schemeClr val="bg1"/>
+          </a:solidFill>
+          <a:ln>
+            <a:solidFill>
+              <a:schemeClr val="tx1"/>
+            </a:solidFill>
+          </a:ln>
+        </p:spPr>
+        <p:style>
+          <a:lnRef idx="1">
+            <a:schemeClr val="accent1"/>
+          </a:lnRef>
+          <a:fillRef idx="3">
+            <a:schemeClr val="accent1"/>
+          </a:fillRef>
+          <a:effectRef idx="2">
+            <a:schemeClr val="accent1"/>
+          </a:effectRef>
+          <a:fontRef idx="minor">
+            <a:schemeClr val="lt1"/>
+          </a:fontRef>
+        </p:style>
+        <p:txBody>
+          <a:bodyPr rtlCol="0" anchor="ctr"/>
+          <a:lstStyle/>
+          <a:p>
+            <a:r>
+              <a:rPr lang="ja-JP" altLang="en-US" sz="1100" dirty="0" smtClean="0">
+                <a:solidFill>
+                  <a:schemeClr val="tx1"/>
+                </a:solidFill>
+              </a:rPr>
+              <a:t>データを増やすことにより，多くの炎上ツイートをリツイートしているユーザの特定をすることが出来ると仮定し，以下のように研究を進める計画である．</a:t>
+            </a:r>
+            <a:endParaRPr lang="en-US" altLang="ja-JP" sz="1100" dirty="0" smtClean="0">
+              <a:solidFill>
+                <a:schemeClr val="tx1"/>
+              </a:solidFill>
+            </a:endParaRPr>
+          </a:p>
+          <a:p>
+            <a:pPr marL="228600" indent="-228600">
+              <a:buFont typeface="+mj-lt"/>
+              <a:buAutoNum type="arabicPeriod"/>
+            </a:pPr>
+            <a:r>
+              <a:rPr lang="ja-JP" altLang="en-US" sz="1100" dirty="0">
+                <a:solidFill>
+                  <a:schemeClr val="tx1"/>
+                </a:solidFill>
+              </a:rPr>
+              <a:t>自動</a:t>
+            </a:r>
+            <a:r>
+              <a:rPr lang="ja-JP" altLang="en-US" sz="1100" dirty="0" smtClean="0">
+                <a:solidFill>
+                  <a:schemeClr val="tx1"/>
+                </a:solidFill>
+              </a:rPr>
+              <a:t>で炎上</a:t>
+            </a:r>
+            <a:r>
+              <a:rPr lang="ja-JP" altLang="en-US" sz="1100" dirty="0">
+                <a:solidFill>
+                  <a:schemeClr val="tx1"/>
+                </a:solidFill>
+              </a:rPr>
+              <a:t>ツイート</a:t>
+            </a:r>
+            <a:r>
+              <a:rPr lang="ja-JP" altLang="en-US" sz="1100" dirty="0" smtClean="0">
+                <a:solidFill>
+                  <a:schemeClr val="tx1"/>
+                </a:solidFill>
+              </a:rPr>
+              <a:t>を</a:t>
+            </a:r>
+            <a:r>
+              <a:rPr lang="ja-JP" altLang="en-US" sz="1100" dirty="0">
+                <a:solidFill>
+                  <a:schemeClr val="tx1"/>
+                </a:solidFill>
+              </a:rPr>
+              <a:t>取得</a:t>
+            </a:r>
+            <a:r>
+              <a:rPr lang="ja-JP" altLang="en-US" sz="1100" dirty="0" smtClean="0">
+                <a:solidFill>
+                  <a:schemeClr val="tx1"/>
+                </a:solidFill>
+              </a:rPr>
+              <a:t>できるようにする．</a:t>
+            </a:r>
+            <a:endParaRPr lang="en-US" altLang="ja-JP" sz="1100" dirty="0" smtClean="0">
+              <a:solidFill>
+                <a:schemeClr val="tx1"/>
+              </a:solidFill>
+            </a:endParaRPr>
+          </a:p>
+          <a:p>
+            <a:pPr marL="228600" indent="-228600">
+              <a:buFont typeface="+mj-lt"/>
+              <a:buAutoNum type="arabicPeriod"/>
+            </a:pPr>
+            <a:r>
+              <a:rPr lang="ja-JP" altLang="en-US" sz="1100" dirty="0" smtClean="0">
+                <a:solidFill>
+                  <a:schemeClr val="tx1"/>
+                </a:solidFill>
+              </a:rPr>
+              <a:t>集めた</a:t>
+            </a:r>
+            <a:r>
+              <a:rPr lang="ja-JP" altLang="en-US" sz="1100" dirty="0">
+                <a:solidFill>
+                  <a:schemeClr val="tx1"/>
+                </a:solidFill>
+              </a:rPr>
+              <a:t>データ</a:t>
+            </a:r>
+            <a:r>
+              <a:rPr lang="ja-JP" altLang="en-US" sz="1100" dirty="0" smtClean="0">
+                <a:solidFill>
+                  <a:schemeClr val="tx1"/>
+                </a:solidFill>
+              </a:rPr>
+              <a:t>の解析をする．</a:t>
+            </a:r>
+            <a:endParaRPr lang="en-US" altLang="ja-JP" sz="1100" dirty="0" smtClean="0">
+              <a:solidFill>
+                <a:schemeClr val="tx1"/>
+              </a:solidFill>
+            </a:endParaRPr>
+          </a:p>
+          <a:p>
+            <a:pPr marL="228600" indent="-228600">
+              <a:buFont typeface="+mj-lt"/>
+              <a:buAutoNum type="arabicPeriod"/>
+            </a:pPr>
+            <a:r>
+              <a:rPr lang="ja-JP" altLang="en-US" sz="1100" dirty="0">
+                <a:solidFill>
+                  <a:schemeClr val="tx1"/>
+                </a:solidFill>
+              </a:rPr>
+              <a:t>多くの炎上</a:t>
+            </a:r>
+            <a:r>
+              <a:rPr lang="ja-JP" altLang="en-US" sz="1100" dirty="0" smtClean="0">
+                <a:solidFill>
+                  <a:schemeClr val="tx1"/>
+                </a:solidFill>
+              </a:rPr>
+              <a:t>ツイートからリツイートしているユーザを特定する．</a:t>
+            </a:r>
+            <a:endParaRPr lang="en-US" altLang="ja-JP" sz="1100" dirty="0">
+              <a:solidFill>
+                <a:schemeClr val="tx1"/>
+              </a:solidFill>
+            </a:endParaRPr>
+          </a:p>
+        </p:txBody>
+      </p:sp>
+      <p:sp>
+        <p:nvSpPr>
+          <p:cNvPr id="50" name="円/楕円 49"/>
+          <p:cNvSpPr/>
+          <p:nvPr/>
+        </p:nvSpPr>
+        <p:spPr>
+          <a:xfrm>
+            <a:off x="99919" y="7651043"/>
+            <a:ext cx="1274865" cy="280793"/>
           </a:xfrm>
           <a:prstGeom prst="ellipse">
             <a:avLst/>
@@ -3538,9 +4189,105 @@
                   <a:schemeClr val="tx1"/>
                 </a:solidFill>
               </a:rPr>
-              <a:t>目的</a:t>
-            </a:r>
-            <a:endParaRPr lang="ja-JP" altLang="en-US" sz="1000" dirty="0">
+              <a:t>今後の計画</a:t>
+            </a:r>
+          </a:p>
+        </p:txBody>
+      </p:sp>
+      <p:sp>
+        <p:nvSpPr>
+          <p:cNvPr id="22" name="正方形/長方形 21"/>
+          <p:cNvSpPr/>
+          <p:nvPr/>
+        </p:nvSpPr>
+        <p:spPr>
+          <a:xfrm>
+            <a:off x="207414" y="3107137"/>
+            <a:ext cx="6371216" cy="709177"/>
+          </a:xfrm>
+          <a:prstGeom prst="rect">
+            <a:avLst/>
+          </a:prstGeom>
+          <a:ln>
+            <a:solidFill>
+              <a:schemeClr val="bg1"/>
+            </a:solidFill>
+          </a:ln>
+        </p:spPr>
+        <p:style>
+          <a:lnRef idx="2">
+            <a:schemeClr val="dk1"/>
+          </a:lnRef>
+          <a:fillRef idx="1">
+            <a:schemeClr val="lt1"/>
+          </a:fillRef>
+          <a:effectRef idx="0">
+            <a:schemeClr val="dk1"/>
+          </a:effectRef>
+          <a:fontRef idx="minor">
+            <a:schemeClr val="dk1"/>
+          </a:fontRef>
+        </p:style>
+        <p:txBody>
+          <a:bodyPr rtlCol="0" anchor="ctr"/>
+          <a:lstStyle/>
+          <a:p>
+            <a:r>
+              <a:rPr lang="ja-JP" altLang="en-US" sz="1200" dirty="0" smtClean="0"/>
+              <a:t>正義感溢れる人達がリツイートし，リツイート数が伸びると便乗してリツイートするユーザが増え，結果事態が大きくなってしまい炎上してしまう．</a:t>
+            </a:r>
+            <a:endParaRPr lang="ja-JP" altLang="en-US" sz="1200" dirty="0"/>
+          </a:p>
+        </p:txBody>
+      </p:sp>
+      <p:sp>
+        <p:nvSpPr>
+          <p:cNvPr id="12" name="雲形吹き出し 11"/>
+          <p:cNvSpPr/>
+          <p:nvPr/>
+        </p:nvSpPr>
+        <p:spPr>
+          <a:xfrm>
+            <a:off x="4361868" y="2296536"/>
+            <a:ext cx="1934415" cy="487312"/>
+          </a:xfrm>
+          <a:prstGeom prst="cloudCallout">
+            <a:avLst/>
+          </a:prstGeom>
+          <a:solidFill>
+            <a:schemeClr val="bg1"/>
+          </a:solidFill>
+        </p:spPr>
+        <p:style>
+          <a:lnRef idx="2">
+            <a:schemeClr val="accent1">
+              <a:shade val="50000"/>
+            </a:schemeClr>
+          </a:lnRef>
+          <a:fillRef idx="1">
+            <a:schemeClr val="accent1"/>
+          </a:fillRef>
+          <a:effectRef idx="0">
+            <a:schemeClr val="accent1"/>
+          </a:effectRef>
+          <a:fontRef idx="minor">
+            <a:schemeClr val="lt1"/>
+          </a:fontRef>
+        </p:style>
+        <p:txBody>
+          <a:bodyPr rtlCol="0" anchor="ctr"/>
+          <a:lstStyle/>
+          <a:p>
+            <a:pPr algn="ctr"/>
+            <a:r>
+              <a:rPr kumimoji="1" lang="ja-JP" altLang="en-US" sz="1100" dirty="0" smtClean="0">
+                <a:solidFill>
+                  <a:schemeClr val="tx1"/>
+                </a:solidFill>
+              </a:rPr>
+              <a:t>どのようにツイートが広まるのか？</a:t>
+            </a:r>
+            <a:endParaRPr kumimoji="1" lang="ja-JP" altLang="en-US" sz="1100" dirty="0">
               <a:solidFill>
                 <a:schemeClr val="tx1"/>
               </a:solidFill>
@@ -3550,14 +4297,57 @@
       </p:sp>
       <p:sp>
         <p:nvSpPr>
-          <p:cNvPr id="14" name="円/楕円 13"/>
+          <p:cNvPr id="16" name="下矢印 15"/>
           <p:cNvSpPr/>
           <p:nvPr/>
         </p:nvSpPr>
         <p:spPr>
           <a:xfrm>
-            <a:off x="207414" y="808387"/>
-            <a:ext cx="1044835" cy="430194"/>
+            <a:off x="1794837" y="2339495"/>
+            <a:ext cx="496711" cy="554923"/>
+          </a:xfrm>
+          <a:prstGeom prst="downArrow">
+            <a:avLst/>
+          </a:prstGeom>
+          <a:solidFill>
+            <a:schemeClr val="tx1"/>
+          </a:solidFill>
+        </p:spPr>
+        <p:style>
+          <a:lnRef idx="2">
+            <a:schemeClr val="accent1">
+              <a:shade val="50000"/>
+            </a:schemeClr>
+          </a:lnRef>
+          <a:fillRef idx="1">
+            <a:schemeClr val="accent1"/>
+          </a:fillRef>
+          <a:effectRef idx="0">
+            <a:schemeClr val="accent1"/>
+          </a:effectRef>
+          <a:fontRef idx="minor">
+            <a:schemeClr val="lt1"/>
+          </a:fontRef>
+        </p:style>
+        <p:txBody>
+          <a:bodyPr rtlCol="0" anchor="ctr"/>
+          <a:lstStyle/>
+          <a:p>
+            <a:pPr algn="ctr"/>
+            <a:endParaRPr kumimoji="1" lang="ja-JP" altLang="en-US"/>
+          </a:p>
+        </p:txBody>
+      </p:sp>
+      <p:sp>
+        <p:nvSpPr>
+          <p:cNvPr id="17" name="円/楕円 16"/>
+          <p:cNvSpPr/>
+          <p:nvPr/>
+        </p:nvSpPr>
+        <p:spPr>
+          <a:xfrm>
+            <a:off x="94316" y="5831403"/>
+            <a:ext cx="1249778" cy="280793"/>
           </a:xfrm>
           <a:prstGeom prst="ellipse">
             <a:avLst/>
@@ -3591,12 +4381,12 @@
           <a:p>
             <a:pPr algn="ctr"/>
             <a:r>
-              <a:rPr lang="ja-JP" altLang="en-US" sz="1000" dirty="0">
+              <a:rPr lang="ja-JP" altLang="en-US" sz="1000" dirty="0" smtClean="0">
                 <a:solidFill>
                   <a:schemeClr val="tx1"/>
                 </a:solidFill>
               </a:rPr>
-              <a:t>背景</a:t>
+              <a:t>進捗状況</a:t>
             </a:r>
             <a:endParaRPr lang="ja-JP" altLang="en-US" sz="1000" dirty="0">
               <a:solidFill>
@@ -3608,198 +4398,14 @@
       </p:sp>
       <p:sp>
         <p:nvSpPr>
-          <p:cNvPr id="42" name="正方形/長方形 41"/>
+          <p:cNvPr id="18" name="円/楕円 17"/>
           <p:cNvSpPr/>
           <p:nvPr/>
         </p:nvSpPr>
         <p:spPr>
           <a:xfrm>
-            <a:off x="3487339" y="4129814"/>
-            <a:ext cx="3092784" cy="1609834"/>
-          </a:xfrm>
-          <a:prstGeom prst="rect">
-            <a:avLst/>
-          </a:prstGeom>
-          <a:solidFill>
-            <a:schemeClr val="bg1"/>
-          </a:solidFill>
-          <a:ln>
-            <a:solidFill>
-              <a:schemeClr val="tx1"/>
-            </a:solidFill>
-          </a:ln>
-        </p:spPr>
-        <p:style>
-          <a:lnRef idx="1">
-            <a:schemeClr val="accent1"/>
-          </a:lnRef>
-          <a:fillRef idx="3">
-            <a:schemeClr val="accent1"/>
-          </a:fillRef>
-          <a:effectRef idx="2">
-            <a:schemeClr val="accent1"/>
-          </a:effectRef>
-          <a:fontRef idx="minor">
-            <a:schemeClr val="lt1"/>
-          </a:fontRef>
-        </p:style>
-        <p:txBody>
-          <a:bodyPr rtlCol="0" anchor="ctr"/>
-          <a:lstStyle/>
-          <a:p>
-            <a:endParaRPr lang="en-US" altLang="ja-JP" sz="1100" dirty="0" smtClean="0">
-              <a:solidFill>
-                <a:schemeClr val="tx1"/>
-              </a:solidFill>
-              <a:effectLst/>
-            </a:endParaRPr>
-          </a:p>
-          <a:p>
-            <a:endParaRPr lang="en-US" altLang="ja-JP" sz="1100" dirty="0">
-              <a:solidFill>
-                <a:schemeClr val="tx1"/>
-              </a:solidFill>
-            </a:endParaRPr>
-          </a:p>
-          <a:p>
-            <a:pPr marL="228600" indent="-228600">
-              <a:buFont typeface="+mj-lt"/>
-              <a:buAutoNum type="arabicPeriod"/>
-            </a:pPr>
-            <a:r>
-              <a:rPr lang="ja-JP" altLang="en-US" sz="1200" dirty="0" smtClean="0">
-                <a:solidFill>
-                  <a:schemeClr val="tx1"/>
-                </a:solidFill>
-                <a:effectLst/>
-              </a:rPr>
-              <a:t>本研究は</a:t>
-            </a:r>
-            <a:r>
-              <a:rPr lang="en-US" altLang="ja-JP" sz="1200" dirty="0" smtClean="0">
-                <a:solidFill>
-                  <a:schemeClr val="tx1"/>
-                </a:solidFill>
-                <a:effectLst/>
-              </a:rPr>
-              <a:t>Twitter</a:t>
-            </a:r>
-            <a:r>
-              <a:rPr lang="ja-JP" altLang="en-US" sz="1200" dirty="0" smtClean="0">
-                <a:solidFill>
-                  <a:schemeClr val="tx1"/>
-                </a:solidFill>
-                <a:effectLst/>
-              </a:rPr>
-              <a:t>と</a:t>
-            </a:r>
-            <a:r>
-              <a:rPr lang="en-US" altLang="ja-JP" sz="1200" dirty="0" smtClean="0">
-                <a:solidFill>
-                  <a:schemeClr val="tx1"/>
-                </a:solidFill>
-                <a:effectLst/>
-              </a:rPr>
-              <a:t>Streaming API</a:t>
-            </a:r>
-            <a:r>
-              <a:rPr lang="ja-JP" altLang="en-US" sz="1200" dirty="0" smtClean="0">
-                <a:solidFill>
-                  <a:schemeClr val="tx1"/>
-                </a:solidFill>
-                <a:effectLst/>
-              </a:rPr>
-              <a:t>を使用しデータの集計をする．</a:t>
-            </a:r>
-            <a:endParaRPr lang="en-US" altLang="ja-JP" sz="1200" dirty="0" smtClean="0">
-              <a:solidFill>
-                <a:schemeClr val="tx1"/>
-              </a:solidFill>
-              <a:effectLst/>
-            </a:endParaRPr>
-          </a:p>
-          <a:p>
-            <a:pPr marL="228600" indent="-228600">
-              <a:buFont typeface="+mj-lt"/>
-              <a:buAutoNum type="arabicPeriod"/>
-            </a:pPr>
-            <a:r>
-              <a:rPr lang="en-US" altLang="ja-JP" sz="1200" dirty="0" smtClean="0">
-                <a:solidFill>
-                  <a:schemeClr val="tx1"/>
-                </a:solidFill>
-                <a:effectLst/>
-              </a:rPr>
-              <a:t>Streaming</a:t>
-            </a:r>
-            <a:r>
-              <a:rPr lang="ja-JP" altLang="en-US" sz="1200" dirty="0" smtClean="0">
-                <a:solidFill>
-                  <a:schemeClr val="tx1"/>
-                </a:solidFill>
-                <a:effectLst/>
-              </a:rPr>
-              <a:t>データから，リツイートだけを取り出し，データベースに格納する．</a:t>
-            </a:r>
-            <a:endParaRPr lang="en-US" altLang="ja-JP" sz="1200" dirty="0" smtClean="0">
-              <a:solidFill>
-                <a:schemeClr val="tx1"/>
-              </a:solidFill>
-              <a:effectLst/>
-            </a:endParaRPr>
-          </a:p>
-          <a:p>
-            <a:pPr marL="228600" indent="-228600">
-              <a:buFont typeface="+mj-lt"/>
-              <a:buAutoNum type="arabicPeriod"/>
-            </a:pPr>
-            <a:r>
-              <a:rPr lang="ja-JP" altLang="en-US" sz="1200" dirty="0" smtClean="0">
-                <a:solidFill>
-                  <a:schemeClr val="tx1"/>
-                </a:solidFill>
-                <a:effectLst/>
-              </a:rPr>
-              <a:t>リツイートした人，された人のフォロー関係を調べ，データベースに記録する．</a:t>
-            </a:r>
-          </a:p>
-          <a:p>
-            <a:r>
-              <a:rPr lang="ja-JP" altLang="en-US" sz="1100" dirty="0" smtClean="0">
-                <a:solidFill>
-                  <a:schemeClr val="tx1"/>
-                </a:solidFill>
-                <a:effectLst/>
-              </a:rPr>
-              <a:t/>
-            </a:r>
-            <a:br>
-              <a:rPr lang="ja-JP" altLang="en-US" sz="1100" dirty="0" smtClean="0">
-                <a:solidFill>
-                  <a:schemeClr val="tx1"/>
-                </a:solidFill>
-                <a:effectLst/>
-              </a:rPr>
-            </a:br>
-            <a:endParaRPr lang="ja-JP" altLang="en-US" sz="1100" dirty="0" smtClean="0">
-              <a:solidFill>
-                <a:schemeClr val="tx1"/>
-              </a:solidFill>
-              <a:effectLst/>
-            </a:endParaRPr>
-          </a:p>
-        </p:txBody>
-      </p:sp>
-      <p:sp>
-        <p:nvSpPr>
-          <p:cNvPr id="43" name="円/楕円 42"/>
-          <p:cNvSpPr/>
-          <p:nvPr/>
-        </p:nvSpPr>
-        <p:spPr>
-          <a:xfrm>
-            <a:off x="3487339" y="3937923"/>
-            <a:ext cx="1193481" cy="430194"/>
+            <a:off x="84016" y="4069857"/>
+            <a:ext cx="1249778" cy="280793"/>
           </a:xfrm>
           <a:prstGeom prst="ellipse">
             <a:avLst/>
@@ -3833,194 +4439,26 @@
           <a:p>
             <a:pPr algn="ctr"/>
             <a:r>
-              <a:rPr lang="ja-JP" altLang="en-US" sz="900" dirty="0">
+              <a:rPr lang="ja-JP" altLang="en-US" sz="1000" dirty="0">
                 <a:solidFill>
                   <a:schemeClr val="tx1"/>
                 </a:solidFill>
               </a:rPr>
-              <a:t>研究方法</a:t>
-            </a:r>
-            <a:endParaRPr lang="ja-JP" altLang="en-US" sz="900" dirty="0">
-              <a:solidFill>
-                <a:schemeClr val="tx1"/>
-              </a:solidFill>
-            </a:endParaRPr>
-          </a:p>
-        </p:txBody>
-      </p:sp>
-      <p:sp>
-        <p:nvSpPr>
-          <p:cNvPr id="44" name="正方形/長方形 43"/>
+              <a:t>目的</a:t>
+            </a:r>
+          </a:p>
+        </p:txBody>
+      </p:sp>
+      <p:sp>
+        <p:nvSpPr>
+          <p:cNvPr id="19" name="円/楕円 18"/>
           <p:cNvSpPr/>
           <p:nvPr/>
         </p:nvSpPr>
         <p:spPr>
           <a:xfrm>
-            <a:off x="234266" y="5997936"/>
-            <a:ext cx="6345857" cy="1310470"/>
-          </a:xfrm>
-          <a:prstGeom prst="rect">
-            <a:avLst/>
-          </a:prstGeom>
-          <a:solidFill>
-            <a:schemeClr val="bg1"/>
-          </a:solidFill>
-          <a:ln>
-            <a:solidFill>
-              <a:schemeClr val="tx1"/>
-            </a:solidFill>
-          </a:ln>
-        </p:spPr>
-        <p:style>
-          <a:lnRef idx="1">
-            <a:schemeClr val="accent1"/>
-          </a:lnRef>
-          <a:fillRef idx="3">
-            <a:schemeClr val="accent1"/>
-          </a:fillRef>
-          <a:effectRef idx="2">
-            <a:schemeClr val="accent1"/>
-          </a:effectRef>
-          <a:fontRef idx="minor">
-            <a:schemeClr val="lt1"/>
-          </a:fontRef>
-        </p:style>
-        <p:txBody>
-          <a:bodyPr rtlCol="0" anchor="ctr"/>
-          <a:lstStyle/>
-          <a:p>
-            <a:pPr marL="342900" indent="-342900">
-              <a:buFont typeface="+mj-lt"/>
-              <a:buAutoNum type="arabicPeriod"/>
-            </a:pPr>
-            <a:r>
-              <a:rPr lang="en-US" altLang="ja-JP" sz="1329" dirty="0" smtClean="0">
-                <a:solidFill>
-                  <a:schemeClr val="tx1"/>
-                </a:solidFill>
-              </a:rPr>
-              <a:t>Streaming API</a:t>
-            </a:r>
-            <a:r>
-              <a:rPr lang="ja-JP" altLang="en-US" sz="1329" dirty="0" smtClean="0">
-                <a:solidFill>
-                  <a:schemeClr val="tx1"/>
-                </a:solidFill>
-              </a:rPr>
-              <a:t>を使って</a:t>
-            </a:r>
-            <a:r>
-              <a:rPr lang="en-US" altLang="ja-JP" sz="1329" dirty="0" smtClean="0">
-                <a:solidFill>
-                  <a:schemeClr val="tx1"/>
-                </a:solidFill>
-              </a:rPr>
-              <a:t>Twitter</a:t>
-            </a:r>
-            <a:r>
-              <a:rPr lang="ja-JP" altLang="en-US" sz="1329" dirty="0" smtClean="0">
-                <a:solidFill>
-                  <a:schemeClr val="tx1"/>
-                </a:solidFill>
-              </a:rPr>
-              <a:t>のタイムラインからリツイートを抜き出し，データベースに記録．</a:t>
-            </a:r>
-            <a:endParaRPr lang="en-US" altLang="ja-JP" sz="1329" dirty="0" smtClean="0">
-              <a:solidFill>
-                <a:schemeClr val="tx1"/>
-              </a:solidFill>
-            </a:endParaRPr>
-          </a:p>
-          <a:p>
-            <a:pPr marL="342900" indent="-342900">
-              <a:buFont typeface="+mj-lt"/>
-              <a:buAutoNum type="arabicPeriod"/>
-            </a:pPr>
-            <a:r>
-              <a:rPr lang="ja-JP" altLang="en-US" sz="1329" dirty="0">
-                <a:solidFill>
-                  <a:schemeClr val="tx1"/>
-                </a:solidFill>
-              </a:rPr>
-              <a:t>リツイート</a:t>
-            </a:r>
-            <a:r>
-              <a:rPr lang="ja-JP" altLang="en-US" sz="1329" dirty="0" smtClean="0">
-                <a:solidFill>
-                  <a:schemeClr val="tx1"/>
-                </a:solidFill>
-              </a:rPr>
-              <a:t>しているが</a:t>
-            </a:r>
-            <a:r>
-              <a:rPr lang="ja-JP" altLang="en-US" sz="1329" dirty="0">
-                <a:solidFill>
-                  <a:schemeClr val="tx1"/>
-                </a:solidFill>
-              </a:rPr>
-              <a:t>フォロ</a:t>
-            </a:r>
-            <a:r>
-              <a:rPr lang="ja-JP" altLang="en-US" sz="1329" dirty="0" smtClean="0">
-                <a:solidFill>
-                  <a:schemeClr val="tx1"/>
-                </a:solidFill>
-              </a:rPr>
-              <a:t>ーしている</a:t>
-            </a:r>
-            <a:r>
-              <a:rPr lang="ja-JP" altLang="en-US" sz="1329" dirty="0">
-                <a:solidFill>
-                  <a:schemeClr val="tx1"/>
-                </a:solidFill>
-              </a:rPr>
-              <a:t>人</a:t>
-            </a:r>
-            <a:r>
-              <a:rPr lang="ja-JP" altLang="en-US" sz="1329" dirty="0" smtClean="0">
-                <a:solidFill>
-                  <a:schemeClr val="tx1"/>
-                </a:solidFill>
-              </a:rPr>
-              <a:t>の取得</a:t>
-            </a:r>
-            <a:endParaRPr lang="en-US" altLang="ja-JP" sz="1329" dirty="0" smtClean="0">
-              <a:solidFill>
-                <a:schemeClr val="tx1"/>
-              </a:solidFill>
-            </a:endParaRPr>
-          </a:p>
-          <a:p>
-            <a:pPr marL="342900" indent="-342900">
-              <a:buFont typeface="+mj-lt"/>
-              <a:buAutoNum type="arabicPeriod"/>
-            </a:pPr>
-            <a:r>
-              <a:rPr lang="ja-JP" altLang="en-US" sz="1329" dirty="0" smtClean="0">
-                <a:solidFill>
-                  <a:schemeClr val="tx1"/>
-                </a:solidFill>
-              </a:rPr>
-              <a:t>リツイートした人のリストの取得</a:t>
-            </a:r>
-            <a:endParaRPr lang="en-US" altLang="ja-JP" sz="1329" dirty="0">
-              <a:solidFill>
-                <a:schemeClr val="tx1"/>
-              </a:solidFill>
-            </a:endParaRPr>
-          </a:p>
-        </p:txBody>
-      </p:sp>
-      <p:sp>
-        <p:nvSpPr>
-          <p:cNvPr id="45" name="円/楕円 44"/>
-          <p:cNvSpPr/>
-          <p:nvPr/>
-        </p:nvSpPr>
-        <p:spPr>
-          <a:xfrm>
-            <a:off x="208907" y="5782839"/>
-            <a:ext cx="1140604" cy="430194"/>
+            <a:off x="3487339" y="4024703"/>
+            <a:ext cx="1249778" cy="280793"/>
           </a:xfrm>
           <a:prstGeom prst="ellipse">
             <a:avLst/>
@@ -4054,209 +4492,34 @@
           <a:p>
             <a:pPr algn="ctr"/>
             <a:r>
+              <a:rPr lang="ja-JP" altLang="en-US" sz="1000" dirty="0" smtClean="0">
+                <a:solidFill>
+                  <a:schemeClr val="tx1"/>
+                </a:solidFill>
+              </a:rPr>
+              <a:t>研究</a:t>
+            </a:r>
+            <a:r>
               <a:rPr lang="ja-JP" altLang="en-US" sz="1000" dirty="0">
                 <a:solidFill>
                   <a:schemeClr val="tx1"/>
                 </a:solidFill>
               </a:rPr>
-              <a:t>進捗状況</a:t>
-            </a:r>
-            <a:endParaRPr lang="ja-JP" altLang="en-US" sz="1000" dirty="0">
-              <a:solidFill>
-                <a:schemeClr val="tx1"/>
-              </a:solidFill>
-            </a:endParaRPr>
-          </a:p>
-        </p:txBody>
-      </p:sp>
-      <p:sp>
-        <p:nvSpPr>
-          <p:cNvPr id="49" name="正方形/長方形 48"/>
+              <a:t>方法</a:t>
+            </a:r>
+          </a:p>
+        </p:txBody>
+      </p:sp>
+      <p:sp>
+        <p:nvSpPr>
+          <p:cNvPr id="20" name="円/楕円 19"/>
           <p:cNvSpPr/>
           <p:nvPr/>
         </p:nvSpPr>
         <p:spPr>
           <a:xfrm>
-            <a:off x="234266" y="7616326"/>
-            <a:ext cx="6345857" cy="1446333"/>
-          </a:xfrm>
-          <a:prstGeom prst="rect">
-            <a:avLst/>
-          </a:prstGeom>
-          <a:solidFill>
-            <a:schemeClr val="bg1"/>
-          </a:solidFill>
-          <a:ln>
-            <a:solidFill>
-              <a:schemeClr val="tx1"/>
-            </a:solidFill>
-          </a:ln>
-        </p:spPr>
-        <p:style>
-          <a:lnRef idx="1">
-            <a:schemeClr val="accent1"/>
-          </a:lnRef>
-          <a:fillRef idx="3">
-            <a:schemeClr val="accent1"/>
-          </a:fillRef>
-          <a:effectRef idx="2">
-            <a:schemeClr val="accent1"/>
-          </a:effectRef>
-          <a:fontRef idx="minor">
-            <a:schemeClr val="lt1"/>
-          </a:fontRef>
-        </p:style>
-        <p:txBody>
-          <a:bodyPr rtlCol="0" anchor="ctr"/>
-          <a:lstStyle/>
-          <a:p>
-            <a:r>
-              <a:rPr lang="ja-JP" altLang="en-US" sz="1100" dirty="0" smtClean="0">
-                <a:solidFill>
-                  <a:schemeClr val="tx1"/>
-                </a:solidFill>
-              </a:rPr>
-              <a:t>データを増やすことにより，多くの炎上ツイートをリツイートしているユーザの特定をすることが出来ると仮定し，以下のように研究を進める計画である．</a:t>
-            </a:r>
-            <a:endParaRPr lang="en-US" altLang="ja-JP" sz="1100" dirty="0" smtClean="0">
-              <a:solidFill>
-                <a:schemeClr val="tx1"/>
-              </a:solidFill>
-            </a:endParaRPr>
-          </a:p>
-          <a:p>
-            <a:pPr marL="228600" indent="-228600">
-              <a:buFont typeface="+mj-lt"/>
-              <a:buAutoNum type="arabicPeriod"/>
-            </a:pPr>
-            <a:r>
-              <a:rPr lang="ja-JP" altLang="en-US" sz="1100" dirty="0">
-                <a:solidFill>
-                  <a:schemeClr val="tx1"/>
-                </a:solidFill>
-              </a:rPr>
-              <a:t>自動</a:t>
-            </a:r>
-            <a:r>
-              <a:rPr lang="ja-JP" altLang="en-US" sz="1100" dirty="0" smtClean="0">
-                <a:solidFill>
-                  <a:schemeClr val="tx1"/>
-                </a:solidFill>
-              </a:rPr>
-              <a:t>で炎上</a:t>
-            </a:r>
-            <a:r>
-              <a:rPr lang="ja-JP" altLang="en-US" sz="1100" dirty="0">
-                <a:solidFill>
-                  <a:schemeClr val="tx1"/>
-                </a:solidFill>
-              </a:rPr>
-              <a:t>ツイート</a:t>
-            </a:r>
-            <a:r>
-              <a:rPr lang="ja-JP" altLang="en-US" sz="1100" dirty="0" smtClean="0">
-                <a:solidFill>
-                  <a:schemeClr val="tx1"/>
-                </a:solidFill>
-              </a:rPr>
-              <a:t>を</a:t>
-            </a:r>
-            <a:r>
-              <a:rPr lang="ja-JP" altLang="en-US" sz="1100" dirty="0">
-                <a:solidFill>
-                  <a:schemeClr val="tx1"/>
-                </a:solidFill>
-              </a:rPr>
-              <a:t>取得</a:t>
-            </a:r>
-            <a:r>
-              <a:rPr lang="ja-JP" altLang="en-US" sz="1100" dirty="0" smtClean="0">
-                <a:solidFill>
-                  <a:schemeClr val="tx1"/>
-                </a:solidFill>
-              </a:rPr>
-              <a:t>できるようにする．</a:t>
-            </a:r>
-            <a:endParaRPr lang="en-US" altLang="ja-JP" sz="1100" dirty="0" smtClean="0">
-              <a:solidFill>
-                <a:schemeClr val="tx1"/>
-              </a:solidFill>
-            </a:endParaRPr>
-          </a:p>
-          <a:p>
-            <a:pPr marL="228600" indent="-228600">
-              <a:buFont typeface="+mj-lt"/>
-              <a:buAutoNum type="arabicPeriod"/>
-            </a:pPr>
-            <a:r>
-              <a:rPr lang="ja-JP" altLang="en-US" sz="1100" dirty="0" smtClean="0">
-                <a:solidFill>
-                  <a:schemeClr val="tx1"/>
-                </a:solidFill>
-              </a:rPr>
-              <a:t>集めた</a:t>
-            </a:r>
-            <a:r>
-              <a:rPr lang="ja-JP" altLang="en-US" sz="1100" dirty="0">
-                <a:solidFill>
-                  <a:schemeClr val="tx1"/>
-                </a:solidFill>
-              </a:rPr>
-              <a:t>データ</a:t>
-            </a:r>
-            <a:r>
-              <a:rPr lang="ja-JP" altLang="en-US" sz="1100" dirty="0" smtClean="0">
-                <a:solidFill>
-                  <a:schemeClr val="tx1"/>
-                </a:solidFill>
-              </a:rPr>
-              <a:t>の解析をする．</a:t>
-            </a:r>
-            <a:endParaRPr lang="en-US" altLang="ja-JP" sz="1100" dirty="0" smtClean="0">
-              <a:solidFill>
-                <a:schemeClr val="tx1"/>
-              </a:solidFill>
-            </a:endParaRPr>
-          </a:p>
-          <a:p>
-            <a:pPr marL="228600" indent="-228600">
-              <a:buFont typeface="+mj-lt"/>
-              <a:buAutoNum type="arabicPeriod"/>
-            </a:pPr>
-            <a:r>
-              <a:rPr lang="ja-JP" altLang="en-US" sz="1100" dirty="0">
-                <a:solidFill>
-                  <a:schemeClr val="tx1"/>
-                </a:solidFill>
-              </a:rPr>
-              <a:t>多くの炎上</a:t>
-            </a:r>
-            <a:r>
-              <a:rPr lang="ja-JP" altLang="en-US" sz="1100" dirty="0" smtClean="0">
-                <a:solidFill>
-                  <a:schemeClr val="tx1"/>
-                </a:solidFill>
-              </a:rPr>
-              <a:t>ツイートからリツイートしているユーザを特定する．</a:t>
-            </a:r>
-            <a:endParaRPr lang="en-US" altLang="ja-JP" sz="1100" dirty="0">
-              <a:solidFill>
-                <a:schemeClr val="tx1"/>
-              </a:solidFill>
-            </a:endParaRPr>
-          </a:p>
-        </p:txBody>
-      </p:sp>
-      <p:sp>
-        <p:nvSpPr>
-          <p:cNvPr id="50" name="円/楕円 49"/>
-          <p:cNvSpPr/>
-          <p:nvPr/>
-        </p:nvSpPr>
-        <p:spPr>
-          <a:xfrm>
-            <a:off x="208907" y="7403607"/>
-            <a:ext cx="1562664" cy="468478"/>
+            <a:off x="94316" y="704428"/>
+            <a:ext cx="1249778" cy="280793"/>
           </a:xfrm>
           <a:prstGeom prst="ellipse">
             <a:avLst/>
@@ -4295,147 +4558,147 @@
                   <a:schemeClr val="tx1"/>
                 </a:solidFill>
               </a:rPr>
-              <a:t>今後の計画</a:t>
-            </a:r>
-            <a:endParaRPr lang="ja-JP" altLang="en-US" sz="1000" dirty="0">
-              <a:solidFill>
-                <a:schemeClr val="tx1"/>
-              </a:solidFill>
-            </a:endParaRPr>
-          </a:p>
-        </p:txBody>
-      </p:sp>
-      <p:sp>
-        <p:nvSpPr>
-          <p:cNvPr id="22" name="正方形/長方形 21"/>
-          <p:cNvSpPr/>
+              <a:t>背景</a:t>
+            </a:r>
+          </a:p>
+        </p:txBody>
+      </p:sp>
+      <p:pic>
+        <p:nvPicPr>
+          <p:cNvPr id="1028" name="Picture 4" descr="http://uguisu.skr.jp/recollection/img/manami.jpg"/>
+          <p:cNvPicPr>
+            <a:picLocks noChangeAspect="1" noChangeArrowheads="1"/>
+          </p:cNvPicPr>
           <p:nvPr/>
-        </p:nvSpPr>
-        <p:spPr>
+        </p:nvPicPr>
+        <p:blipFill>
+          <a:blip r:embed="rId2" cstate="print">
+            <a:extLst>
+              <a:ext uri="{28A0092B-C50C-407E-A947-70E740481C1C}">
+                <a14:useLocalDpi xmlns:a14="http://schemas.microsoft.com/office/drawing/2010/main" val="0"/>
+              </a:ext>
+            </a:extLst>
+          </a:blip>
+          <a:srcRect/>
+          <a:stretch>
+            <a:fillRect/>
+          </a:stretch>
+        </p:blipFill>
+        <p:spPr bwMode="auto">
           <a:xfrm>
-            <a:off x="207414" y="2949243"/>
-            <a:ext cx="6371216" cy="867071"/>
+            <a:off x="2529958" y="2026068"/>
+            <a:ext cx="676452" cy="1009087"/>
           </a:xfrm>
           <a:prstGeom prst="rect">
             <a:avLst/>
           </a:prstGeom>
-          <a:ln/>
+          <a:noFill/>
+          <a:extLst>
+            <a:ext uri="{909E8E84-426E-40DD-AFC4-6F175D3DCCD1}">
+              <a14:hiddenFill xmlns:a14="http://schemas.microsoft.com/office/drawing/2010/main">
+                <a:solidFill>
+                  <a:srgbClr val="FFFFFF"/>
+                </a:solidFill>
+              </a14:hiddenFill>
+            </a:ext>
+          </a:extLst>
         </p:spPr>
-        <p:style>
-          <a:lnRef idx="2">
-            <a:schemeClr val="dk1"/>
-          </a:lnRef>
-          <a:fillRef idx="1">
-            <a:schemeClr val="lt1"/>
-          </a:fillRef>
-          <a:effectRef idx="0">
-            <a:schemeClr val="dk1"/>
-          </a:effectRef>
-          <a:fontRef idx="minor">
-            <a:schemeClr val="dk1"/>
-          </a:fontRef>
-        </p:style>
-        <p:txBody>
-          <a:bodyPr rtlCol="0" anchor="ctr"/>
-          <a:lstStyle/>
-          <a:p>
-            <a:r>
-              <a:rPr lang="ja-JP" altLang="en-US" sz="1200" dirty="0" smtClean="0"/>
-              <a:t>正義感溢れる人達がリツイートし，リツイート数が伸びると便乗してリツイートするユーザが増え，結果事態が大きくなってしまい炎上してしまう場合がある．</a:t>
-            </a:r>
-            <a:endParaRPr lang="ja-JP" altLang="en-US" sz="1200" dirty="0"/>
-          </a:p>
-        </p:txBody>
-      </p:sp>
-      <p:sp>
-        <p:nvSpPr>
-          <p:cNvPr id="12" name="雲形吹き出し 11"/>
-          <p:cNvSpPr/>
+      </p:pic>
+      <p:pic>
+        <p:nvPicPr>
+          <p:cNvPr id="1030" name="Picture 6" descr="http://uguisu.skr.jp/recollection/img/20160720.jpg"/>
+          <p:cNvPicPr>
+            <a:picLocks noChangeAspect="1" noChangeArrowheads="1"/>
+          </p:cNvPicPr>
           <p:nvPr/>
-        </p:nvSpPr>
+        </p:nvPicPr>
+        <p:blipFill>
+          <a:blip r:embed="rId3" cstate="print">
+            <a:extLst>
+              <a:ext uri="{28A0092B-C50C-407E-A947-70E740481C1C}">
+                <a14:useLocalDpi xmlns:a14="http://schemas.microsoft.com/office/drawing/2010/main" val="0"/>
+              </a:ext>
+            </a:extLst>
+          </a:blip>
+          <a:srcRect/>
+          <a:stretch>
+            <a:fillRect/>
+          </a:stretch>
+        </p:blipFill>
+        <p:spPr bwMode="auto">
+          <a:xfrm flipH="1">
+            <a:off x="3526784" y="2022501"/>
+            <a:ext cx="780168" cy="1009087"/>
+          </a:xfrm>
+          <a:prstGeom prst="rect">
+            <a:avLst/>
+          </a:prstGeom>
+          <a:noFill/>
+          <a:extLst>
+            <a:ext uri="{909E8E84-426E-40DD-AFC4-6F175D3DCCD1}">
+              <a14:hiddenFill xmlns:a14="http://schemas.microsoft.com/office/drawing/2010/main">
+                <a:solidFill>
+                  <a:srgbClr val="FFFFFF"/>
+                </a:solidFill>
+              </a14:hiddenFill>
+            </a:ext>
+          </a:extLst>
+        </p:spPr>
+      </p:pic>
+      <p:pic>
+        <p:nvPicPr>
+          <p:cNvPr id="5" name="図 4"/>
+          <p:cNvPicPr>
+            <a:picLocks noChangeAspect="1"/>
+          </p:cNvPicPr>
+          <p:nvPr/>
+        </p:nvPicPr>
+        <p:blipFill>
+          <a:blip r:embed="rId4"/>
+          <a:stretch>
+            <a:fillRect/>
+          </a:stretch>
+        </p:blipFill>
         <p:spPr>
           <a:xfrm>
-            <a:off x="3937324" y="2176790"/>
-            <a:ext cx="1934415" cy="487312"/>
+            <a:off x="4474029" y="6322789"/>
+            <a:ext cx="2104601" cy="1143755"/>
           </a:xfrm>
-          <a:prstGeom prst="cloudCallout">
+          <a:prstGeom prst="rect">
             <a:avLst/>
           </a:prstGeom>
         </p:spPr>
-        <p:style>
-          <a:lnRef idx="2">
-            <a:schemeClr val="accent1">
-              <a:shade val="50000"/>
-            </a:schemeClr>
-          </a:lnRef>
-          <a:fillRef idx="1">
-            <a:schemeClr val="accent1"/>
-          </a:fillRef>
-          <a:effectRef idx="0">
-            <a:schemeClr val="accent1"/>
-          </a:effectRef>
-          <a:fontRef idx="minor">
-            <a:schemeClr val="lt1"/>
-          </a:fontRef>
-        </p:style>
-        <p:txBody>
-          <a:bodyPr rtlCol="0" anchor="ctr"/>
-          <a:lstStyle/>
-          <a:p>
-            <a:pPr algn="ctr"/>
-            <a:r>
-              <a:rPr kumimoji="1" lang="ja-JP" altLang="en-US" sz="1100" dirty="0" smtClean="0">
-                <a:solidFill>
-                  <a:schemeClr val="tx1"/>
-                </a:solidFill>
-              </a:rPr>
-              <a:t>どのようにツイートが広まるのか？</a:t>
-            </a:r>
-            <a:endParaRPr kumimoji="1" lang="ja-JP" altLang="en-US" sz="1100" dirty="0">
-              <a:solidFill>
-                <a:schemeClr val="tx1"/>
-              </a:solidFill>
-            </a:endParaRPr>
-          </a:p>
-        </p:txBody>
-      </p:sp>
-      <p:sp>
-        <p:nvSpPr>
-          <p:cNvPr id="16" name="下矢印 15"/>
-          <p:cNvSpPr/>
+      </p:pic>
+      <p:sp>
+        <p:nvSpPr>
+          <p:cNvPr id="7" name="テキスト ボックス 6"/>
+          <p:cNvSpPr txBox="1"/>
           <p:nvPr/>
         </p:nvSpPr>
         <p:spPr>
           <a:xfrm>
-            <a:off x="3144666" y="2176790"/>
-            <a:ext cx="496711" cy="554923"/>
+            <a:off x="4894038" y="6057331"/>
+            <a:ext cx="1099457" cy="530915"/>
           </a:xfrm>
-          <a:prstGeom prst="downArrow">
+          <a:prstGeom prst="rect">
             <a:avLst/>
           </a:prstGeom>
+          <a:noFill/>
         </p:spPr>
-        <p:style>
-          <a:lnRef idx="2">
-            <a:schemeClr val="accent1">
-              <a:shade val="50000"/>
-            </a:schemeClr>
-          </a:lnRef>
-          <a:fillRef idx="1">
-            <a:schemeClr val="accent1"/>
-          </a:fillRef>
-          <a:effectRef idx="0">
-            <a:schemeClr val="accent1"/>
-          </a:effectRef>
-          <a:fontRef idx="minor">
-            <a:schemeClr val="lt1"/>
-          </a:fontRef>
-        </p:style>
-        <p:txBody>
-          <a:bodyPr rtlCol="0" anchor="ctr"/>
-          <a:lstStyle/>
-          <a:p>
-            <a:pPr algn="ctr"/>
-            <a:endParaRPr kumimoji="1" lang="ja-JP" altLang="en-US"/>
+        <p:txBody>
+          <a:bodyPr wrap="square" rtlCol="0">
+            <a:spAutoFit/>
+          </a:bodyPr>
+          <a:lstStyle/>
+          <a:p>
+            <a:r>
+              <a:rPr kumimoji="1" lang="ja-JP" altLang="en-US" sz="1050" dirty="0" smtClean="0"/>
+              <a:t>これまでの進捗</a:t>
+            </a:r>
+            <a:endParaRPr kumimoji="1" lang="en-US" altLang="ja-JP" sz="1050" dirty="0" smtClean="0"/>
+          </a:p>
+          <a:p>
+            <a:endParaRPr kumimoji="1" lang="ja-JP" altLang="en-US" dirty="0"/>
           </a:p>
         </p:txBody>
       </p:sp>
